--- a/apip2023/apip2023.pptx
+++ b/apip2023/apip2023.pptx
@@ -276,7 +276,7 @@
           <a:p>
             <a:fld id="{8C8898A3-FBB2-A443-AD22-96FBFF7EA23D}" type="datetimeFigureOut">
               <a:rPr lang="en-US" smtClean="0"/>
-              <a:t>5/10/2023</a:t>
+              <a:t>5/15/23</a:t>
             </a:fld>
             <a:endParaRPr lang="en-US"/>
           </a:p>
@@ -474,7 +474,7 @@
           <a:p>
             <a:fld id="{8C8898A3-FBB2-A443-AD22-96FBFF7EA23D}" type="datetimeFigureOut">
               <a:rPr lang="en-US" smtClean="0"/>
-              <a:t>5/10/2023</a:t>
+              <a:t>5/15/23</a:t>
             </a:fld>
             <a:endParaRPr lang="en-US"/>
           </a:p>
@@ -682,7 +682,7 @@
           <a:p>
             <a:fld id="{8C8898A3-FBB2-A443-AD22-96FBFF7EA23D}" type="datetimeFigureOut">
               <a:rPr lang="en-US" smtClean="0"/>
-              <a:t>5/10/2023</a:t>
+              <a:t>5/15/23</a:t>
             </a:fld>
             <a:endParaRPr lang="en-US"/>
           </a:p>
@@ -880,7 +880,7 @@
           <a:p>
             <a:fld id="{8C8898A3-FBB2-A443-AD22-96FBFF7EA23D}" type="datetimeFigureOut">
               <a:rPr lang="en-US" smtClean="0"/>
-              <a:t>5/10/2023</a:t>
+              <a:t>5/15/23</a:t>
             </a:fld>
             <a:endParaRPr lang="en-US"/>
           </a:p>
@@ -1155,7 +1155,7 @@
           <a:p>
             <a:fld id="{8C8898A3-FBB2-A443-AD22-96FBFF7EA23D}" type="datetimeFigureOut">
               <a:rPr lang="en-US" smtClean="0"/>
-              <a:t>5/10/2023</a:t>
+              <a:t>5/15/23</a:t>
             </a:fld>
             <a:endParaRPr lang="en-US"/>
           </a:p>
@@ -1420,7 +1420,7 @@
           <a:p>
             <a:fld id="{8C8898A3-FBB2-A443-AD22-96FBFF7EA23D}" type="datetimeFigureOut">
               <a:rPr lang="en-US" smtClean="0"/>
-              <a:t>5/10/2023</a:t>
+              <a:t>5/15/23</a:t>
             </a:fld>
             <a:endParaRPr lang="en-US"/>
           </a:p>
@@ -1832,7 +1832,7 @@
           <a:p>
             <a:fld id="{8C8898A3-FBB2-A443-AD22-96FBFF7EA23D}" type="datetimeFigureOut">
               <a:rPr lang="en-US" smtClean="0"/>
-              <a:t>5/10/2023</a:t>
+              <a:t>5/15/23</a:t>
             </a:fld>
             <a:endParaRPr lang="en-US"/>
           </a:p>
@@ -1973,7 +1973,7 @@
           <a:p>
             <a:fld id="{8C8898A3-FBB2-A443-AD22-96FBFF7EA23D}" type="datetimeFigureOut">
               <a:rPr lang="en-US" smtClean="0"/>
-              <a:t>5/10/2023</a:t>
+              <a:t>5/15/23</a:t>
             </a:fld>
             <a:endParaRPr lang="en-US"/>
           </a:p>
@@ -2086,7 +2086,7 @@
           <a:p>
             <a:fld id="{8C8898A3-FBB2-A443-AD22-96FBFF7EA23D}" type="datetimeFigureOut">
               <a:rPr lang="en-US" smtClean="0"/>
-              <a:t>5/10/2023</a:t>
+              <a:t>5/15/23</a:t>
             </a:fld>
             <a:endParaRPr lang="en-US"/>
           </a:p>
@@ -2397,7 +2397,7 @@
           <a:p>
             <a:fld id="{8C8898A3-FBB2-A443-AD22-96FBFF7EA23D}" type="datetimeFigureOut">
               <a:rPr lang="en-US" smtClean="0"/>
-              <a:t>5/10/2023</a:t>
+              <a:t>5/15/23</a:t>
             </a:fld>
             <a:endParaRPr lang="en-US"/>
           </a:p>
@@ -2685,7 +2685,7 @@
           <a:p>
             <a:fld id="{8C8898A3-FBB2-A443-AD22-96FBFF7EA23D}" type="datetimeFigureOut">
               <a:rPr lang="en-US" smtClean="0"/>
-              <a:t>5/10/2023</a:t>
+              <a:t>5/15/23</a:t>
             </a:fld>
             <a:endParaRPr lang="en-US"/>
           </a:p>
@@ -2926,7 +2926,7 @@
           <a:p>
             <a:fld id="{8C8898A3-FBB2-A443-AD22-96FBFF7EA23D}" type="datetimeFigureOut">
               <a:rPr lang="en-US" smtClean="0"/>
-              <a:t>5/10/2023</a:t>
+              <a:t>5/15/23</a:t>
             </a:fld>
             <a:endParaRPr lang="en-US"/>
           </a:p>
@@ -3705,11 +3705,19 @@
               <a:buNone/>
             </a:pPr>
             <a:r>
-              <a:rPr lang="en-US" sz="2800" dirty="0" err="1"/>
+              <a:rPr lang="en-US" sz="2800" dirty="0" err="1">
+                <a:solidFill>
+                  <a:srgbClr val="FF0000"/>
+                </a:solidFill>
+              </a:rPr>
               <a:t>DumpRates</a:t>
             </a:r>
             <a:r>
-              <a:rPr lang="en-US" sz="2800" dirty="0"/>
+              <a:rPr lang="en-US" sz="2800" dirty="0">
+                <a:solidFill>
+                  <a:srgbClr val="FF0000"/>
+                </a:solidFill>
+              </a:rPr>
               <a:t>('ex1a.r0', 2, 0, -1, 1)</a:t>
             </a:r>
           </a:p>
@@ -3718,11 +3726,19 @@
               <a:buNone/>
             </a:pPr>
             <a:r>
-              <a:rPr lang="en-US" sz="2800" dirty="0" err="1"/>
+              <a:rPr lang="en-US" sz="2800" dirty="0" err="1">
+                <a:solidFill>
+                  <a:srgbClr val="FF0000"/>
+                </a:solidFill>
+              </a:rPr>
               <a:t>DumpRates</a:t>
             </a:r>
             <a:r>
-              <a:rPr lang="en-US" sz="2800" dirty="0"/>
+              <a:rPr lang="en-US" sz="2800" dirty="0">
+                <a:solidFill>
+                  <a:srgbClr val="FF0000"/>
+                </a:solidFill>
+              </a:rPr>
               <a:t>('ex1a.r1', 2, 1, -1, 1)</a:t>
             </a:r>
           </a:p>
@@ -3731,11 +3747,19 @@
               <a:buNone/>
             </a:pPr>
             <a:r>
-              <a:rPr lang="en-US" sz="2800" dirty="0" err="1"/>
+              <a:rPr lang="en-US" sz="2800" dirty="0" err="1">
+                <a:solidFill>
+                  <a:srgbClr val="FF0000"/>
+                </a:solidFill>
+              </a:rPr>
               <a:t>DumpRates</a:t>
             </a:r>
             <a:r>
-              <a:rPr lang="en-US" sz="2800" dirty="0"/>
+              <a:rPr lang="en-US" sz="2800" dirty="0">
+                <a:solidFill>
+                  <a:srgbClr val="FF0000"/>
+                </a:solidFill>
+              </a:rPr>
               <a:t>('ex1a.r2', 2, 2, -1, 1)</a:t>
             </a:r>
           </a:p>
@@ -3744,11 +3768,19 @@
               <a:buNone/>
             </a:pPr>
             <a:r>
-              <a:rPr lang="en-US" sz="2800" dirty="0" err="1"/>
+              <a:rPr lang="en-US" sz="2800" dirty="0" err="1">
+                <a:solidFill>
+                  <a:srgbClr val="FF0000"/>
+                </a:solidFill>
+              </a:rPr>
               <a:t>DumpRates</a:t>
             </a:r>
             <a:r>
-              <a:rPr lang="en-US" sz="2800" dirty="0"/>
+              <a:rPr lang="en-US" sz="2800" dirty="0">
+                <a:solidFill>
+                  <a:srgbClr val="FF0000"/>
+                </a:solidFill>
+              </a:rPr>
               <a:t>('ex1a.r3', 2, 3, -1, 1)</a:t>
             </a:r>
           </a:p>
@@ -3756,18 +3788,30 @@
             <a:pPr marL="0" indent="0">
               <a:buNone/>
             </a:pPr>
-            <a:endParaRPr lang="en-US" sz="2800" dirty="0"/>
-          </a:p>
-          <a:p>
-            <a:pPr marL="0" indent="0">
-              <a:buNone/>
-            </a:pPr>
-            <a:r>
-              <a:rPr lang="en-US" sz="2800" dirty="0" err="1"/>
+            <a:endParaRPr lang="en-US" sz="2800" dirty="0">
+              <a:solidFill>
+                <a:srgbClr val="FF0000"/>
+              </a:solidFill>
+            </a:endParaRPr>
+          </a:p>
+          <a:p>
+            <a:pPr marL="0" indent="0">
+              <a:buNone/>
+            </a:pPr>
+            <a:r>
+              <a:rPr lang="en-US" sz="2800" dirty="0" err="1">
+                <a:solidFill>
+                  <a:srgbClr val="FF0000"/>
+                </a:solidFill>
+              </a:rPr>
               <a:t>SpecTable</a:t>
             </a:r>
             <a:r>
-              <a:rPr lang="en-US" sz="2800" dirty="0"/>
+              <a:rPr lang="en-US" sz="2800" dirty="0">
+                <a:solidFill>
+                  <a:srgbClr val="FF0000"/>
+                </a:solidFill>
+              </a:rPr>
               <a:t>('ex1b.sp', 0)</a:t>
             </a:r>
           </a:p>
@@ -3776,11 +3820,19 @@
               <a:buNone/>
             </a:pPr>
             <a:r>
-              <a:rPr lang="en-US" sz="2800" dirty="0" err="1"/>
+              <a:rPr lang="en-US" sz="2800" dirty="0" err="1">
+                <a:solidFill>
+                  <a:srgbClr val="FF0000"/>
+                </a:solidFill>
+              </a:rPr>
               <a:t>PrintTable</a:t>
             </a:r>
             <a:r>
-              <a:rPr lang="en-US" sz="2800" dirty="0"/>
+              <a:rPr lang="en-US" sz="2800" dirty="0">
+                <a:solidFill>
+                  <a:srgbClr val="FF0000"/>
+                </a:solidFill>
+              </a:rPr>
               <a:t>('ex1b.sp', 'ex1a.sp')</a:t>
             </a:r>
           </a:p>
@@ -3788,18 +3840,30 @@
             <a:pPr marL="0" indent="0">
               <a:buNone/>
             </a:pPr>
-            <a:endParaRPr lang="en-US" sz="2800" dirty="0"/>
-          </a:p>
-          <a:p>
-            <a:pPr marL="0" indent="0">
-              <a:buNone/>
-            </a:pPr>
-            <a:r>
-              <a:rPr lang="en-US" sz="2400" dirty="0" err="1"/>
+            <a:endParaRPr lang="en-US" sz="2800" dirty="0">
+              <a:solidFill>
+                <a:srgbClr val="FF0000"/>
+              </a:solidFill>
+            </a:endParaRPr>
+          </a:p>
+          <a:p>
+            <a:pPr marL="0" indent="0">
+              <a:buNone/>
+            </a:pPr>
+            <a:r>
+              <a:rPr lang="en-US" sz="2400" dirty="0" err="1">
+                <a:solidFill>
+                  <a:srgbClr val="FF0000"/>
+                </a:solidFill>
+              </a:rPr>
               <a:t>SelectLines</a:t>
             </a:r>
             <a:r>
-              <a:rPr lang="en-US" sz="2400" dirty="0"/>
+              <a:rPr lang="en-US" sz="2400" dirty="0">
+                <a:solidFill>
+                  <a:srgbClr val="FF0000"/>
+                </a:solidFill>
+              </a:rPr>
               <a:t>('ex1b.sp', 'ex1a.ln', 2, 0, 6e3, 10e3, 1e-5)</a:t>
             </a:r>
           </a:p>
@@ -8962,7 +9026,7 @@
           <a:p>
             <a:r>
               <a:rPr lang="en-US" b="1" dirty="0"/>
-              <a:t>Additional functionalities</a:t>
+              <a:t>Additional Functionalities</a:t>
             </a:r>
           </a:p>
         </p:txBody>
@@ -9022,15 +9086,15 @@
           <a:p>
             <a:r>
               <a:rPr lang="en-US" dirty="0"/>
-              <a:t>Effects of </a:t>
-            </a:r>
-            <a:r>
-              <a:rPr lang="en-US" dirty="0" err="1"/>
-              <a:t>ExB</a:t>
+              <a:t>Effects </a:t>
+            </a:r>
+            <a:r>
+              <a:rPr lang="en-US"/>
+              <a:t>of external E </a:t>
             </a:r>
             <a:r>
               <a:rPr lang="en-US" dirty="0"/>
-              <a:t> fields</a:t>
+              <a:t>&amp; B fields</a:t>
             </a:r>
           </a:p>
           <a:p>
@@ -9059,10 +9123,9 @@
           </a:p>
           <a:p>
             <a:r>
-              <a:rPr lang="en-US"/>
+              <a:rPr lang="en-US" dirty="0"/>
               <a:t>Average atom models</a:t>
             </a:r>
-            <a:endParaRPr lang="en-US" dirty="0"/>
           </a:p>
         </p:txBody>
       </p:sp>
@@ -10092,8 +10155,8 @@
         </p:nvSpPr>
         <p:spPr>
           <a:xfrm>
-            <a:off x="4194810" y="1501766"/>
-            <a:ext cx="5749290" cy="4662815"/>
+            <a:off x="4149090" y="1414562"/>
+            <a:ext cx="7589520" cy="5078313"/>
           </a:xfrm>
           <a:prstGeom prst="rect">
             <a:avLst/>
@@ -10107,202 +10170,166 @@
           <a:lstStyle/>
           <a:p>
             <a:r>
-              <a:rPr lang="en-US" sz="900" dirty="0"/>
+              <a:rPr lang="en-US" sz="1200" dirty="0"/>
               <a:t>FAC 1.1.5</a:t>
             </a:r>
           </a:p>
           <a:p>
             <a:r>
-              <a:rPr lang="en-US" sz="900" dirty="0"/>
+              <a:rPr lang="en-US" sz="1200" dirty="0"/>
               <a:t>Endian  = 0</a:t>
             </a:r>
           </a:p>
           <a:p>
             <a:r>
-              <a:rPr lang="en-US" sz="900" dirty="0" err="1"/>
+              <a:rPr lang="en-US" sz="1200" dirty="0" err="1"/>
               <a:t>TSess</a:t>
             </a:r>
             <a:r>
-              <a:rPr lang="en-US" sz="900" dirty="0"/>
+              <a:rPr lang="en-US" sz="1200" dirty="0"/>
               <a:t>   = 1665109512</a:t>
             </a:r>
           </a:p>
           <a:p>
             <a:r>
-              <a:rPr lang="en-US" sz="900" dirty="0"/>
+              <a:rPr lang="en-US" sz="1200" dirty="0"/>
               <a:t>Type    = 1</a:t>
             </a:r>
           </a:p>
           <a:p>
             <a:r>
-              <a:rPr lang="en-US" sz="900" dirty="0"/>
+              <a:rPr lang="en-US" sz="1200" dirty="0"/>
               <a:t>Verbose = 1</a:t>
             </a:r>
           </a:p>
           <a:p>
             <a:r>
-              <a:rPr lang="en-US" sz="900" dirty="0"/>
+              <a:rPr lang="en-US" sz="1200" dirty="0"/>
               <a:t>Fe Z    =  26.0</a:t>
             </a:r>
           </a:p>
           <a:p>
             <a:r>
-              <a:rPr lang="en-US" sz="900" dirty="0" err="1"/>
+              <a:rPr lang="en-US" sz="1200" dirty="0" err="1"/>
               <a:t>NBlocks</a:t>
             </a:r>
             <a:r>
-              <a:rPr lang="en-US" sz="900" dirty="0"/>
+              <a:rPr lang="en-US" sz="1200" dirty="0"/>
               <a:t> = 2</a:t>
             </a:r>
           </a:p>
           <a:p>
             <a:r>
-              <a:rPr lang="en-US" sz="900" dirty="0"/>
+              <a:rPr lang="en-US" sz="1200" dirty="0"/>
               <a:t>E0      = 0, -1.81043476E+04</a:t>
             </a:r>
           </a:p>
           <a:p>
-            <a:endParaRPr lang="en-US" sz="900" dirty="0"/>
-          </a:p>
-          <a:p>
-            <a:r>
-              <a:rPr lang="en-US" sz="900" dirty="0"/>
+            <a:endParaRPr lang="en-US" sz="1200" dirty="0"/>
+          </a:p>
+          <a:p>
+            <a:r>
+              <a:rPr lang="en-US" sz="1200" dirty="0"/>
               <a:t>NELE    = 2</a:t>
             </a:r>
           </a:p>
           <a:p>
             <a:r>
-              <a:rPr lang="en-US" sz="900" dirty="0"/>
+              <a:rPr lang="en-US" sz="1200" dirty="0"/>
               <a:t>NLEV    = 7</a:t>
             </a:r>
           </a:p>
           <a:p>
             <a:r>
-              <a:rPr lang="en-US" sz="900" dirty="0"/>
+              <a:rPr lang="en-US" sz="1200" dirty="0"/>
               <a:t>  ILEV  IBASE    ENERGY       P   VNL   2J</a:t>
             </a:r>
           </a:p>
           <a:p>
             <a:r>
-              <a:rPr lang="en-US" sz="900" dirty="0"/>
+              <a:rPr lang="en-US" sz="1200" dirty="0"/>
               <a:t>     0     -1  0.00000000E+00 0   100    0 1*2                                  1s2                                                 1s+2(0)0</a:t>
             </a:r>
           </a:p>
           <a:p>
             <a:r>
-              <a:rPr lang="en-US" sz="900" dirty="0"/>
+              <a:rPr lang="en-US" sz="1200" dirty="0"/>
               <a:t>     1     -1  6.63537106E+03 0   200    2 1*1.2*1                          1s1.2s1                                          1s+1(1)1.2s+1(1)2</a:t>
             </a:r>
           </a:p>
           <a:p>
             <a:r>
-              <a:rPr lang="en-US" sz="900" dirty="0"/>
+              <a:rPr lang="en-US" sz="1200" dirty="0"/>
               <a:t>     2     -1  6.66438962E+03 1   201    0 1*1.2*1                          1s1.2p1                                          1s+1(1)1.2p-1(1)0</a:t>
             </a:r>
           </a:p>
           <a:p>
             <a:r>
-              <a:rPr lang="en-US" sz="900" dirty="0"/>
+              <a:rPr lang="en-US" sz="1200" dirty="0"/>
               <a:t>     3     -1  6.66649019E+03 1   201    2 1*1.2*1                          1s1.2p1                                          1s+1(1)1.2p-1(1)2</a:t>
             </a:r>
           </a:p>
           <a:p>
             <a:r>
-              <a:rPr lang="en-US" sz="900" dirty="0"/>
+              <a:rPr lang="en-US" sz="1200" dirty="0"/>
               <a:t>     4     -1  6.66764932E+03 0   200    0 1*1.2*1                          1s1.2s1                                          1s+1(1)1.2s+1(1)0</a:t>
             </a:r>
           </a:p>
           <a:p>
             <a:r>
-              <a:rPr lang="en-US" sz="900" dirty="0"/>
+              <a:rPr lang="en-US" sz="1200" dirty="0"/>
               <a:t>     5     -1  6.68118301E+03 1   201    4 1*1.2*1                          1s1.2p1                                          1s+1(1)1.2p+1(3)4</a:t>
             </a:r>
           </a:p>
           <a:p>
             <a:r>
-              <a:rPr lang="en-US" sz="900" dirty="0"/>
+              <a:rPr lang="en-US" sz="1200" dirty="0"/>
               <a:t>     6     -1  6.69988981E+03 1   201    2 1*1.2*1                          1s1.2p1                                          1s+1(1)1.2p+1(3)2</a:t>
             </a:r>
           </a:p>
           <a:p>
-            <a:endParaRPr lang="en-US" sz="900" dirty="0"/>
-          </a:p>
-          <a:p>
-            <a:r>
-              <a:rPr lang="en-US" sz="900" dirty="0"/>
+            <a:endParaRPr lang="en-US" sz="1200" dirty="0"/>
+          </a:p>
+          <a:p>
+            <a:r>
+              <a:rPr lang="en-US" sz="1200" dirty="0"/>
               <a:t>NELE    = 2</a:t>
             </a:r>
           </a:p>
           <a:p>
             <a:r>
-              <a:rPr lang="en-US" sz="900" dirty="0"/>
+              <a:rPr lang="en-US" sz="1200" dirty="0"/>
               <a:t>NLEV    = 10</a:t>
             </a:r>
           </a:p>
           <a:p>
             <a:r>
-              <a:rPr lang="en-US" sz="900" dirty="0"/>
+              <a:rPr lang="en-US" sz="1200" dirty="0"/>
               <a:t>  ILEV  IBASE    ENERGY       P   VNL   2J</a:t>
             </a:r>
           </a:p>
           <a:p>
             <a:r>
-              <a:rPr lang="en-US" sz="900" dirty="0"/>
+              <a:rPr lang="en-US" sz="1200" dirty="0"/>
               <a:t>     7     -1  7.86199121E+03 0   300    2 1*1.3*1                          1s1.3s1                                          1s+1(1)1.3s+1(1)2</a:t>
             </a:r>
           </a:p>
           <a:p>
             <a:r>
-              <a:rPr lang="en-US" sz="900" dirty="0"/>
+              <a:rPr lang="en-US" sz="1200" dirty="0"/>
               <a:t>     8     -1  7.87001039E+03 1   301    0 1*1.3*1                          1s1.3p1                                          1s+1(1)1.3p-1(1)0</a:t>
             </a:r>
           </a:p>
           <a:p>
             <a:r>
-              <a:rPr lang="en-US" sz="900" dirty="0"/>
+              <a:rPr lang="en-US" sz="1200" dirty="0"/>
               <a:t>     9     -1  7.87045470E+03 0   300    0 1*1.3*1                          1s1.3s1                                          1s+1(1)1.3s+1(1)0</a:t>
             </a:r>
           </a:p>
           <a:p>
             <a:r>
-              <a:rPr lang="en-US" sz="900" dirty="0"/>
+              <a:rPr lang="en-US" sz="1200" dirty="0"/>
               <a:t>    10     -1  7.87060953E+03 1   301    2 1*1.3*1                          1s1.3p1                                          1s+1(1)1.3p-1(1)2</a:t>
-            </a:r>
-          </a:p>
-          <a:p>
-            <a:r>
-              <a:rPr lang="en-US" sz="900" dirty="0"/>
-              <a:t>    11     -1  7.87500202E+03 1   301    4 1*1.3*1                          1s1.3p1                                          1s+1(1)1.3p+1(3)4</a:t>
-            </a:r>
-          </a:p>
-          <a:p>
-            <a:r>
-              <a:rPr lang="en-US" sz="900" dirty="0"/>
-              <a:t>    12     -1  7.87935340E+03 0   302    4 1*1.3*1                          1s1.3d1                                          1s+1(1)1.3d-1(3)4</a:t>
-            </a:r>
-          </a:p>
-          <a:p>
-            <a:r>
-              <a:rPr lang="en-US" sz="900" dirty="0"/>
-              <a:t>    13     -1  7.87942163E+03 0   302    2 1*1.3*1                          1s1.3d1                                          1s+1(1)1.3d-1(3)2</a:t>
-            </a:r>
-          </a:p>
-          <a:p>
-            <a:r>
-              <a:rPr lang="en-US" sz="900" dirty="0"/>
-              <a:t>    14     -1  7.88001842E+03 1   301    2 1*1.3*1                          1s1.3p1                                          1s+1(1)1.3p+1(3)2</a:t>
-            </a:r>
-          </a:p>
-          <a:p>
-            <a:r>
-              <a:rPr lang="en-US" sz="900" dirty="0"/>
-              <a:t>    15     -1  7.88101930E+03 0   302    6 1*1.3*1                          1s1.3d1                                          1s+1(1)1.3d+1(5)6</a:t>
-            </a:r>
-          </a:p>
-          <a:p>
-            <a:r>
-              <a:rPr lang="en-US" sz="900" dirty="0"/>
-              <a:t>    16     -1  7.88132110E+03 0   302    4 1*1.3*1                          1s1.3d1                                          1s+1(1)1.3d+1(5)4</a:t>
             </a:r>
           </a:p>
         </p:txBody>
@@ -10392,11 +10419,13 @@
         <p:spPr>
           <a:xfrm>
             <a:off x="1036320" y="2170748"/>
-            <a:ext cx="2590800" cy="2940685"/>
+            <a:ext cx="3158490" cy="2940685"/>
           </a:xfrm>
         </p:spPr>
         <p:txBody>
-          <a:bodyPr/>
+          <a:bodyPr>
+            <a:normAutofit/>
+          </a:bodyPr>
           <a:lstStyle/>
           <a:p>
             <a:pPr marL="0" indent="0">
@@ -10409,11 +10438,11 @@
               <a:buNone/>
             </a:pPr>
             <a:r>
-              <a:rPr lang="en-US" sz="1400" dirty="0" err="1"/>
+              <a:rPr lang="en-US" sz="1600" dirty="0" err="1"/>
               <a:t>WallTime</a:t>
             </a:r>
             <a:r>
-              <a:rPr lang="en-US" sz="1400" dirty="0"/>
+              <a:rPr lang="en-US" sz="1600" dirty="0"/>
               <a:t>('TR')</a:t>
             </a:r>
           </a:p>
@@ -10422,11 +10451,11 @@
               <a:buNone/>
             </a:pPr>
             <a:r>
-              <a:rPr lang="en-US" sz="1400" dirty="0" err="1"/>
+              <a:rPr lang="en-US" sz="1600" dirty="0" err="1"/>
               <a:t>TRTable</a:t>
             </a:r>
             <a:r>
-              <a:rPr lang="en-US" sz="1400" dirty="0"/>
+              <a:rPr lang="en-US" sz="1600" dirty="0"/>
               <a:t>('ex1b.tr', ['g1'], ['g2'])</a:t>
             </a:r>
           </a:p>
@@ -10435,11 +10464,11 @@
               <a:buNone/>
             </a:pPr>
             <a:r>
-              <a:rPr lang="en-US" sz="1400" dirty="0" err="1"/>
+              <a:rPr lang="en-US" sz="1600" dirty="0" err="1"/>
               <a:t>TRTable</a:t>
             </a:r>
             <a:r>
-              <a:rPr lang="en-US" sz="1400" dirty="0"/>
+              <a:rPr lang="en-US" sz="1600" dirty="0"/>
               <a:t>('ex1b.tr', ['g1'], ['g3'])</a:t>
             </a:r>
           </a:p>
@@ -10448,11 +10477,11 @@
               <a:buNone/>
             </a:pPr>
             <a:r>
-              <a:rPr lang="en-US" sz="1400" dirty="0" err="1"/>
+              <a:rPr lang="en-US" sz="1600" dirty="0" err="1"/>
               <a:t>TRTable</a:t>
             </a:r>
             <a:r>
-              <a:rPr lang="en-US" sz="1400" dirty="0"/>
+              <a:rPr lang="en-US" sz="1600" dirty="0"/>
               <a:t>('ex1b.tr', ['g2'], ['g2'])</a:t>
             </a:r>
           </a:p>
@@ -10461,11 +10490,11 @@
               <a:buNone/>
             </a:pPr>
             <a:r>
-              <a:rPr lang="en-US" sz="1400" dirty="0" err="1"/>
+              <a:rPr lang="en-US" sz="1600" dirty="0" err="1"/>
               <a:t>TRTable</a:t>
             </a:r>
             <a:r>
-              <a:rPr lang="en-US" sz="1400" dirty="0"/>
+              <a:rPr lang="en-US" sz="1600" dirty="0"/>
               <a:t>('ex1b.tr', ['g2'], ['g3'])</a:t>
             </a:r>
           </a:p>
@@ -10474,11 +10503,11 @@
               <a:buNone/>
             </a:pPr>
             <a:r>
-              <a:rPr lang="en-US" sz="1400" dirty="0" err="1"/>
+              <a:rPr lang="en-US" sz="1600" dirty="0" err="1"/>
               <a:t>TRTable</a:t>
             </a:r>
             <a:r>
-              <a:rPr lang="en-US" sz="1400" dirty="0"/>
+              <a:rPr lang="en-US" sz="1600" dirty="0"/>
               <a:t>('ex1b.tr', ['g3'], ['g3'])</a:t>
             </a:r>
           </a:p>
@@ -10487,11 +10516,11 @@
               <a:buNone/>
             </a:pPr>
             <a:r>
-              <a:rPr lang="en-US" sz="1400" dirty="0" err="1"/>
+              <a:rPr lang="en-US" sz="1600" dirty="0" err="1"/>
               <a:t>PrintTable</a:t>
             </a:r>
             <a:r>
-              <a:rPr lang="en-US" sz="1400" dirty="0"/>
+              <a:rPr lang="en-US" sz="1600" dirty="0"/>
               <a:t>('ex1b.tr', 'ex1a.tr')</a:t>
             </a:r>
           </a:p>
@@ -10517,8 +10546,8 @@
         </p:nvSpPr>
         <p:spPr>
           <a:xfrm>
-            <a:off x="5353050" y="1421209"/>
-            <a:ext cx="4103370" cy="4708981"/>
+            <a:off x="5253990" y="860564"/>
+            <a:ext cx="6099810" cy="5632311"/>
           </a:xfrm>
           <a:prstGeom prst="rect">
             <a:avLst/>
@@ -10532,183 +10561,183 @@
           <a:lstStyle/>
           <a:p>
             <a:r>
-              <a:rPr lang="en-US" sz="1000" dirty="0"/>
+              <a:rPr lang="en-US" sz="1200" dirty="0"/>
               <a:t>FAC 1.1.5</a:t>
             </a:r>
           </a:p>
           <a:p>
             <a:r>
-              <a:rPr lang="en-US" sz="1000" dirty="0"/>
+              <a:rPr lang="en-US" sz="1200" dirty="0"/>
               <a:t>Endian	= 0</a:t>
             </a:r>
           </a:p>
           <a:p>
             <a:r>
-              <a:rPr lang="en-US" sz="1000" dirty="0" err="1"/>
+              <a:rPr lang="en-US" sz="1200" dirty="0" err="1"/>
               <a:t>TSess</a:t>
             </a:r>
             <a:r>
-              <a:rPr lang="en-US" sz="1000" dirty="0"/>
+              <a:rPr lang="en-US" sz="1200" dirty="0"/>
               <a:t>	= 1665111809</a:t>
             </a:r>
           </a:p>
           <a:p>
             <a:r>
-              <a:rPr lang="en-US" sz="1000" dirty="0"/>
+              <a:rPr lang="en-US" sz="1200" dirty="0"/>
               <a:t>Type	= 2</a:t>
             </a:r>
           </a:p>
           <a:p>
             <a:r>
-              <a:rPr lang="en-US" sz="1000" dirty="0"/>
+              <a:rPr lang="en-US" sz="1200" dirty="0"/>
               <a:t>Verbose	= 1</a:t>
             </a:r>
           </a:p>
           <a:p>
             <a:r>
-              <a:rPr lang="en-US" sz="1000" dirty="0"/>
+              <a:rPr lang="en-US" sz="1200" dirty="0"/>
               <a:t>Fe Z	=  26.0</a:t>
             </a:r>
           </a:p>
           <a:p>
             <a:r>
-              <a:rPr lang="en-US" sz="1000" dirty="0" err="1"/>
+              <a:rPr lang="en-US" sz="1200" dirty="0" err="1"/>
               <a:t>NBlocks</a:t>
             </a:r>
             <a:r>
-              <a:rPr lang="en-US" sz="1000" dirty="0"/>
+              <a:rPr lang="en-US" sz="1200" dirty="0"/>
               <a:t>	= 5</a:t>
             </a:r>
           </a:p>
           <a:p>
-            <a:endParaRPr lang="en-US" sz="1000" dirty="0"/>
-          </a:p>
-          <a:p>
-            <a:r>
-              <a:rPr lang="en-US" sz="1000" dirty="0"/>
+            <a:endParaRPr lang="en-US" sz="1200" dirty="0"/>
+          </a:p>
+          <a:p>
+            <a:r>
+              <a:rPr lang="en-US" sz="1200" dirty="0"/>
               <a:t>NELE	= 2</a:t>
             </a:r>
           </a:p>
           <a:p>
             <a:r>
-              <a:rPr lang="en-US" sz="1000" dirty="0"/>
+              <a:rPr lang="en-US" sz="1200" dirty="0"/>
               <a:t>NTRANS	= 4</a:t>
             </a:r>
           </a:p>
           <a:p>
             <a:r>
-              <a:rPr lang="en-US" sz="1000" dirty="0"/>
+              <a:rPr lang="en-US" sz="1200" dirty="0"/>
               <a:t>MULTIP	= 0</a:t>
             </a:r>
           </a:p>
           <a:p>
             <a:r>
-              <a:rPr lang="en-US" sz="1000" dirty="0"/>
+              <a:rPr lang="en-US" sz="1200" dirty="0"/>
               <a:t>GAUGE	= 2</a:t>
             </a:r>
           </a:p>
           <a:p>
             <a:r>
-              <a:rPr lang="en-US" sz="1000" dirty="0"/>
+              <a:rPr lang="en-US" sz="1200" dirty="0"/>
               <a:t>MODE	= 1</a:t>
             </a:r>
           </a:p>
           <a:p>
             <a:r>
-              <a:rPr lang="en-US" sz="1000" dirty="0"/>
+              <a:rPr lang="en-US" sz="1200" dirty="0"/>
               <a:t>     1  2      0  0  6.635371E+03  3.088469E-07  1.966808E+08  3.088469E-07</a:t>
             </a:r>
           </a:p>
           <a:p>
             <a:r>
-              <a:rPr lang="en-US" sz="1000" dirty="0"/>
+              <a:rPr lang="en-US" sz="1200" dirty="0"/>
               <a:t>     3  2      0  0  6.666490E+03  6.558891E-02  4.216122E+13  6.558891E-02</a:t>
             </a:r>
           </a:p>
           <a:p>
             <a:r>
-              <a:rPr lang="en-US" sz="1000" dirty="0"/>
+              <a:rPr lang="en-US" sz="1200" dirty="0"/>
               <a:t>     5  4      0  0  6.681183E+03  1.683081E-05  6.520057E+09  1.683081E-05</a:t>
             </a:r>
           </a:p>
           <a:p>
             <a:r>
-              <a:rPr lang="en-US" sz="1000" dirty="0"/>
+              <a:rPr lang="en-US" sz="1200" dirty="0"/>
               <a:t>     6  2      0  0  6.699890E+03  7.243883E-01  4.703217E+14  7.243883E-01</a:t>
             </a:r>
           </a:p>
           <a:p>
-            <a:endParaRPr lang="en-US" sz="1000" dirty="0"/>
-          </a:p>
-          <a:p>
-            <a:r>
-              <a:rPr lang="en-US" sz="1000" dirty="0"/>
+            <a:endParaRPr lang="en-US" sz="1200" dirty="0"/>
+          </a:p>
+          <a:p>
+            <a:r>
+              <a:rPr lang="en-US" sz="1200" dirty="0"/>
               <a:t>NELE	= 2</a:t>
             </a:r>
           </a:p>
           <a:p>
             <a:r>
-              <a:rPr lang="en-US" sz="1000" dirty="0"/>
+              <a:rPr lang="en-US" sz="1200" dirty="0"/>
               <a:t>NTRANS	= 7</a:t>
             </a:r>
           </a:p>
           <a:p>
             <a:r>
-              <a:rPr lang="en-US" sz="1000" dirty="0"/>
+              <a:rPr lang="en-US" sz="1200" dirty="0"/>
               <a:t>MULTIP	= 0</a:t>
             </a:r>
           </a:p>
           <a:p>
             <a:r>
-              <a:rPr lang="en-US" sz="1000" dirty="0"/>
+              <a:rPr lang="en-US" sz="1200" dirty="0"/>
               <a:t>GAUGE	= 2</a:t>
             </a:r>
           </a:p>
           <a:p>
             <a:r>
-              <a:rPr lang="en-US" sz="1000" dirty="0"/>
+              <a:rPr lang="en-US" sz="1200" dirty="0"/>
               <a:t>MODE	= 1</a:t>
             </a:r>
           </a:p>
           <a:p>
             <a:r>
-              <a:rPr lang="en-US" sz="1000" dirty="0"/>
+              <a:rPr lang="en-US" sz="1200" dirty="0"/>
               <a:t>     7  2      0  0  7.861991E+03  9.581767E-08  8.566413E+07  9.581767E-08</a:t>
             </a:r>
           </a:p>
           <a:p>
             <a:r>
-              <a:rPr lang="en-US" sz="1000" dirty="0"/>
+              <a:rPr lang="en-US" sz="1200" dirty="0"/>
               <a:t>    10  2      0  0  7.870610E+03  1.377064E-02  1.233841E+13  1.377064E-02</a:t>
             </a:r>
           </a:p>
           <a:p>
             <a:r>
-              <a:rPr lang="en-US" sz="1000" dirty="0"/>
+              <a:rPr lang="en-US" sz="1200" dirty="0"/>
               <a:t>    11  4      0  0  7.875002E+03  4.593787E-06  2.472360E+09  4.593787E-06</a:t>
             </a:r>
           </a:p>
           <a:p>
             <a:r>
-              <a:rPr lang="en-US" sz="1000" dirty="0"/>
+              <a:rPr lang="en-US" sz="1200" dirty="0"/>
               <a:t>    12  4      0  0  7.879353E+03  1.793314E-04  9.662221E+10  1.793314E-04</a:t>
             </a:r>
           </a:p>
           <a:p>
             <a:r>
-              <a:rPr lang="en-US" sz="1000" dirty="0"/>
+              <a:rPr lang="en-US" sz="1200" dirty="0"/>
               <a:t>    13  2      0  0  7.879422E+03  1.057020E-09  9.492052E+05  1.057020E-09</a:t>
             </a:r>
           </a:p>
           <a:p>
             <a:r>
-              <a:rPr lang="en-US" sz="1000" dirty="0"/>
+              <a:rPr lang="en-US" sz="1200" dirty="0"/>
               <a:t>    14  2      0  0  7.880018E+03  1.399493E-01  1.256937E+14  1.399493E-01</a:t>
             </a:r>
           </a:p>
           <a:p>
             <a:r>
-              <a:rPr lang="en-US" sz="1000" dirty="0"/>
+              <a:rPr lang="en-US" sz="1200" dirty="0"/>
               <a:t>    16  4      0  0  7.881321E+03  3.579022E-04  1.929310E+11  3.579022E-04</a:t>
             </a:r>
           </a:p>
@@ -11947,11 +11976,19 @@
               <a:buNone/>
             </a:pPr>
             <a:r>
-              <a:rPr lang="en-US" sz="1800" dirty="0" err="1"/>
+              <a:rPr lang="en-US" sz="1800" dirty="0" err="1">
+                <a:solidFill>
+                  <a:srgbClr val="FF0000"/>
+                </a:solidFill>
+              </a:rPr>
               <a:t>WallTime</a:t>
             </a:r>
             <a:r>
-              <a:rPr lang="en-US" sz="1800" dirty="0"/>
+              <a:rPr lang="en-US" sz="1800" dirty="0">
+                <a:solidFill>
+                  <a:srgbClr val="FF0000"/>
+                </a:solidFill>
+              </a:rPr>
               <a:t>('Wavefunctions’)</a:t>
             </a:r>
           </a:p>
@@ -11960,7 +11997,11 @@
               <a:buNone/>
             </a:pPr>
             <a:r>
-              <a:rPr lang="en-US" sz="1800" dirty="0"/>
+              <a:rPr lang="en-US" sz="1800" dirty="0">
+                <a:solidFill>
+                  <a:srgbClr val="FF0000"/>
+                </a:solidFill>
+              </a:rPr>
               <a:t>#bound orbitals</a:t>
             </a:r>
           </a:p>
@@ -11969,11 +12010,19 @@
               <a:buNone/>
             </a:pPr>
             <a:r>
-              <a:rPr lang="en-US" sz="1800" dirty="0" err="1"/>
+              <a:rPr lang="en-US" sz="1800" dirty="0" err="1">
+                <a:solidFill>
+                  <a:srgbClr val="FF0000"/>
+                </a:solidFill>
+              </a:rPr>
               <a:t>WaveFuncTable</a:t>
             </a:r>
             <a:r>
-              <a:rPr lang="en-US" sz="1800" dirty="0"/>
+              <a:rPr lang="en-US" sz="1800" dirty="0">
+                <a:solidFill>
+                  <a:srgbClr val="FF0000"/>
+                </a:solidFill>
+              </a:rPr>
               <a:t>('w1s.txt', 1, -1, 0)</a:t>
             </a:r>
           </a:p>
@@ -11982,11 +12031,19 @@
               <a:buNone/>
             </a:pPr>
             <a:r>
-              <a:rPr lang="en-US" sz="1800" dirty="0" err="1"/>
+              <a:rPr lang="en-US" sz="1800" dirty="0" err="1">
+                <a:solidFill>
+                  <a:srgbClr val="FF0000"/>
+                </a:solidFill>
+              </a:rPr>
               <a:t>WaveFuncTable</a:t>
             </a:r>
             <a:r>
-              <a:rPr lang="en-US" sz="1800" dirty="0"/>
+              <a:rPr lang="en-US" sz="1800" dirty="0">
+                <a:solidFill>
+                  <a:srgbClr val="FF0000"/>
+                </a:solidFill>
+              </a:rPr>
               <a:t>('w2p-.txt', 2, 1, 0)</a:t>
             </a:r>
           </a:p>
@@ -11995,11 +12052,19 @@
               <a:buNone/>
             </a:pPr>
             <a:r>
-              <a:rPr lang="en-US" sz="1800" dirty="0" err="1"/>
+              <a:rPr lang="en-US" sz="1800" dirty="0" err="1">
+                <a:solidFill>
+                  <a:srgbClr val="FF0000"/>
+                </a:solidFill>
+              </a:rPr>
               <a:t>WaveFuncTable</a:t>
             </a:r>
             <a:r>
-              <a:rPr lang="en-US" sz="1800" dirty="0"/>
+              <a:rPr lang="en-US" sz="1800" dirty="0">
+                <a:solidFill>
+                  <a:srgbClr val="FF0000"/>
+                </a:solidFill>
+              </a:rPr>
               <a:t>('w3d+.txt', 3, -2, 0)</a:t>
             </a:r>
           </a:p>
@@ -12007,14 +12072,22 @@
             <a:pPr marL="0" indent="0">
               <a:buNone/>
             </a:pPr>
-            <a:endParaRPr lang="en-US" dirty="0"/>
-          </a:p>
-          <a:p>
-            <a:pPr marL="0" indent="0">
-              <a:buNone/>
-            </a:pPr>
-            <a:r>
-              <a:rPr lang="en-US" dirty="0"/>
+            <a:endParaRPr lang="en-US" dirty="0">
+              <a:solidFill>
+                <a:srgbClr val="FF0000"/>
+              </a:solidFill>
+            </a:endParaRPr>
+          </a:p>
+          <a:p>
+            <a:pPr marL="0" indent="0">
+              <a:buNone/>
+            </a:pPr>
+            <a:r>
+              <a:rPr lang="en-US" dirty="0">
+                <a:solidFill>
+                  <a:srgbClr val="FF0000"/>
+                </a:solidFill>
+              </a:rPr>
               <a:t>#free orbitals</a:t>
             </a:r>
           </a:p>
@@ -12023,19 +12096,35 @@
               <a:buNone/>
             </a:pPr>
             <a:r>
-              <a:rPr lang="en-US" sz="1800" dirty="0" err="1"/>
+              <a:rPr lang="en-US" sz="1800" dirty="0" err="1">
+                <a:solidFill>
+                  <a:srgbClr val="FF0000"/>
+                </a:solidFill>
+              </a:rPr>
               <a:t>WaveFuncTable</a:t>
             </a:r>
             <a:r>
-              <a:rPr lang="en-US" sz="1800" dirty="0"/>
+              <a:rPr lang="en-US" sz="1800" dirty="0">
+                <a:solidFill>
+                  <a:srgbClr val="FF0000"/>
+                </a:solidFill>
+              </a:rPr>
               <a:t>('</a:t>
             </a:r>
             <a:r>
-              <a:rPr lang="en-US" sz="1800" dirty="0" err="1"/>
+              <a:rPr lang="en-US" sz="1800" dirty="0" err="1">
+                <a:solidFill>
+                  <a:srgbClr val="FF0000"/>
+                </a:solidFill>
+              </a:rPr>
               <a:t>ws.txt</a:t>
             </a:r>
             <a:r>
-              <a:rPr lang="en-US" sz="1800" dirty="0"/>
+              <a:rPr lang="en-US" sz="1800" dirty="0">
+                <a:solidFill>
+                  <a:srgbClr val="FF0000"/>
+                </a:solidFill>
+              </a:rPr>
               <a:t>', 0, -1, 2e3)</a:t>
             </a:r>
           </a:p>
@@ -12044,11 +12133,19 @@
               <a:buNone/>
             </a:pPr>
             <a:r>
-              <a:rPr lang="en-US" sz="1800" dirty="0" err="1"/>
+              <a:rPr lang="en-US" sz="1800" dirty="0" err="1">
+                <a:solidFill>
+                  <a:srgbClr val="FF0000"/>
+                </a:solidFill>
+              </a:rPr>
               <a:t>WaveFuncTable</a:t>
             </a:r>
             <a:r>
-              <a:rPr lang="en-US" sz="1800" dirty="0"/>
+              <a:rPr lang="en-US" sz="1800" dirty="0">
+                <a:solidFill>
+                  <a:srgbClr val="FF0000"/>
+                </a:solidFill>
+              </a:rPr>
               <a:t>('wp-.txt', 0, 1, 2e3)</a:t>
             </a:r>
           </a:p>
@@ -12056,7 +12153,11 @@
             <a:pPr marL="0" indent="0">
               <a:buNone/>
             </a:pPr>
-            <a:endParaRPr lang="en-US" sz="1800" dirty="0"/>
+            <a:endParaRPr lang="en-US" sz="1800" dirty="0">
+              <a:solidFill>
+                <a:srgbClr val="FF0000"/>
+              </a:solidFill>
+            </a:endParaRPr>
           </a:p>
           <a:p>
             <a:pPr marL="0" indent="0">

--- a/apip2023/apip2023.pptx
+++ b/apip2023/apip2023.pptx
@@ -9086,15 +9086,7 @@
           <a:p>
             <a:r>
               <a:rPr lang="en-US" dirty="0"/>
-              <a:t>Effects </a:t>
-            </a:r>
-            <a:r>
-              <a:rPr lang="en-US"/>
-              <a:t>of external E </a:t>
-            </a:r>
-            <a:r>
-              <a:rPr lang="en-US" dirty="0"/>
-              <a:t>&amp; B fields</a:t>
+              <a:t>Effects of external E &amp; B fields</a:t>
             </a:r>
           </a:p>
           <a:p>
@@ -9296,9 +9288,10 @@
           </a:p>
           <a:p>
             <a:r>
-              <a:rPr lang="en-US" dirty="0"/>
-              <a:t>make install</a:t>
-            </a:r>
+              <a:rPr lang="en-US"/>
+              <a:t>make install </a:t>
+            </a:r>
+            <a:endParaRPr lang="en-US" dirty="0"/>
           </a:p>
           <a:p>
             <a:r>
